--- a/hrf/sports.pptx
+++ b/hrf/sports.pptx
@@ -3119,6 +3119,35 @@
           </a:ln>
         </p:spPr>
       </p:pic>
+      <p:pic>
+        <p:nvPicPr>
+          <p:cNvPr id="123" name="Image" descr="Image"/>
+          <p:cNvPicPr>
+            <a:picLocks noChangeAspect="1"/>
+          </p:cNvPicPr>
+          <p:nvPr/>
+        </p:nvPicPr>
+        <p:blipFill>
+          <a:blip r:embed="rId3">
+            <a:extLst/>
+          </a:blip>
+          <a:stretch>
+            <a:fillRect/>
+          </a:stretch>
+        </p:blipFill>
+        <p:spPr>
+          <a:xfrm>
+            <a:off x="20947503" y="6754371"/>
+            <a:ext cx="3459622" cy="5856839"/>
+          </a:xfrm>
+          <a:prstGeom prst="rect">
+            <a:avLst/>
+          </a:prstGeom>
+          <a:ln w="12700">
+            <a:miter lim="400000"/>
+          </a:ln>
+        </p:spPr>
+      </p:pic>
     </p:spTree>
   </p:cSld>
   <p:clrMapOvr>
@@ -3147,7 +3176,7 @@
       </p:grpSpPr>
       <p:sp>
         <p:nvSpPr>
-          <p:cNvPr id="124" name="Preparation"/>
+          <p:cNvPr id="125" name="Preparation"/>
           <p:cNvSpPr txBox="1"/>
           <p:nvPr>
             <p:ph type="title"/>
@@ -3171,7 +3200,7 @@
       </p:sp>
       <p:pic>
         <p:nvPicPr>
-          <p:cNvPr id="125" name="Image" descr="Image"/>
+          <p:cNvPr id="126" name="Image" descr="Image"/>
           <p:cNvPicPr>
             <a:picLocks noChangeAspect="1"/>
           </p:cNvPicPr>
@@ -3200,7 +3229,7 @@
       </p:pic>
       <p:sp>
         <p:nvSpPr>
-          <p:cNvPr id="126" name="Bids for hosting the event: for major sports events, such as modern Olympics games and various National Games, nations or cities should put forth bids for hosting the event.…"/>
+          <p:cNvPr id="127" name="Bids for hosting the event: for major sports events, such as modern Olympics games and various National Games, nations or cities should put forth bids for hosting the event.…"/>
           <p:cNvSpPr txBox="1"/>
           <p:nvPr>
             <p:ph type="body" sz="half" idx="4294967295"/>
@@ -3327,7 +3356,7 @@
       </p:grpSpPr>
       <p:sp>
         <p:nvSpPr>
-          <p:cNvPr id="128" name="Sports Event"/>
+          <p:cNvPr id="129" name="Sports Event"/>
           <p:cNvSpPr txBox="1"/>
           <p:nvPr>
             <p:ph type="title"/>
@@ -3351,7 +3380,7 @@
       </p:sp>
       <p:pic>
         <p:nvPicPr>
-          <p:cNvPr id="129" name="Image" descr="Image"/>
+          <p:cNvPr id="130" name="Image" descr="Image"/>
           <p:cNvPicPr>
             <a:picLocks noChangeAspect="1"/>
           </p:cNvPicPr>
@@ -3380,7 +3409,7 @@
       </p:pic>
       <p:sp>
         <p:nvSpPr>
-          <p:cNvPr id="130" name="Opening ceremony: opening ceremony represents the official commencement of a major sports event.…"/>
+          <p:cNvPr id="131" name="Opening ceremony: opening ceremony represents the official commencement of a major sports event.…"/>
           <p:cNvSpPr txBox="1"/>
           <p:nvPr>
             <p:ph type="body" sz="half" idx="4294967295"/>
@@ -3507,7 +3536,7 @@
       </p:grpSpPr>
       <p:sp>
         <p:nvSpPr>
-          <p:cNvPr id="132" name="Social Response"/>
+          <p:cNvPr id="133" name="Social Response"/>
           <p:cNvSpPr txBox="1"/>
           <p:nvPr>
             <p:ph type="title"/>
@@ -3531,7 +3560,7 @@
       </p:sp>
       <p:sp>
         <p:nvSpPr>
-          <p:cNvPr id="133" name="Post-match press conference: athletes and coaches are usually invited to press conference to express feelings after a match is completed.…"/>
+          <p:cNvPr id="134" name="Press release: the official general post-match press conference for each match, covering topics related to the event, such as commentary, opinions, and fan responses.…"/>
           <p:cNvSpPr txBox="1"/>
           <p:nvPr>
             <p:ph type="body" sz="half" idx="4294967295"/>
@@ -3550,43 +3579,43 @@
           <a:bodyPr/>
           <a:lstStyle/>
           <a:p>
-            <a:pPr>
+            <a:pPr marL="609600" indent="-609600" defTabSz="792479">
               <a:spcBef>
-                <a:spcPts val="2000"/>
+                <a:spcPts val="1900"/>
               </a:spcBef>
-              <a:defRPr b="1" sz="4800"/>
+              <a:defRPr b="1" sz="4608"/>
             </a:pPr>
             <a:r>
-              <a:t>Post-match press conference</a:t>
+              <a:t>Press release</a:t>
             </a:r>
             <a:r>
               <a:rPr b="0"/>
-              <a:t>: athletes and coaches are usually invited to press conference to express feelings after a match is completed.</a:t>
+              <a:t>: the official general post-match press conference for each match, covering topics related to the event, such as commentary, opinions, and fan responses.</a:t>
             </a:r>
             <a:endParaRPr b="0"/>
           </a:p>
           <a:p>
-            <a:pPr>
+            <a:pPr marL="609600" indent="-609600" defTabSz="792479">
               <a:spcBef>
-                <a:spcPts val="2000"/>
+                <a:spcPts val="1900"/>
               </a:spcBef>
-              <a:defRPr b="1" sz="4800"/>
+              <a:defRPr b="1" sz="4608"/>
             </a:pPr>
             <a:r>
-              <a:t>Fans cheering</a:t>
+              <a:t>Interview</a:t>
             </a:r>
             <a:r>
               <a:rPr b="0"/>
-              <a:t>: fans of the winning team / athlete cheering to express happiness and excitement.</a:t>
+              <a:t>: (mostly after winning) athletes and coaches are interviewed about feelings and critical success factors, etc.</a:t>
             </a:r>
             <a:endParaRPr b="0"/>
           </a:p>
           <a:p>
-            <a:pPr>
+            <a:pPr marL="609600" indent="-609600" defTabSz="792479">
               <a:spcBef>
-                <a:spcPts val="2000"/>
+                <a:spcPts val="1900"/>
               </a:spcBef>
-              <a:defRPr b="1" sz="4800"/>
+              <a:defRPr b="1" sz="4608"/>
             </a:pPr>
             <a:r>
               <a:t>War triggered by a sports event</a:t>
@@ -3600,7 +3629,7 @@
       </p:sp>
       <p:pic>
         <p:nvPicPr>
-          <p:cNvPr id="134" name="Image" descr="Image"/>
+          <p:cNvPr id="135" name="Image" descr="Image"/>
           <p:cNvPicPr>
             <a:picLocks noChangeAspect="1"/>
           </p:cNvPicPr>
@@ -3616,8 +3645,8 @@
         </p:blipFill>
         <p:spPr>
           <a:xfrm>
-            <a:off x="12364953" y="3000284"/>
-            <a:ext cx="11700709" cy="8603892"/>
+            <a:off x="12319546" y="3282949"/>
+            <a:ext cx="12319046" cy="9893899"/>
           </a:xfrm>
           <a:prstGeom prst="rect">
             <a:avLst/>
